--- a/Documenti/presentazione.pptx
+++ b/Documenti/presentazione.pptx
@@ -851,7 +851,7 @@
             <a:fld id="{B61BEF0D-F0BB-DE4B-95CE-6DB70DBA9567}" type="datetimeFigureOut">
               <a:rPr lang="en-US" dirty="0"/>
               <a:pPr/>
-              <a:t>6/15/18</a:t>
+              <a:t>6/16/18</a:t>
             </a:fld>
             <a:endParaRPr lang="en-US" dirty="0"/>
           </a:p>
@@ -1099,7 +1099,7 @@
             <a:fld id="{B61BEF0D-F0BB-DE4B-95CE-6DB70DBA9567}" type="datetimeFigureOut">
               <a:rPr lang="en-US" dirty="0"/>
               <a:pPr/>
-              <a:t>6/15/18</a:t>
+              <a:t>6/16/18</a:t>
             </a:fld>
             <a:endParaRPr lang="en-US" dirty="0"/>
           </a:p>
@@ -1410,7 +1410,7 @@
             <a:fld id="{B61BEF0D-F0BB-DE4B-95CE-6DB70DBA9567}" type="datetimeFigureOut">
               <a:rPr lang="en-US" dirty="0"/>
               <a:pPr/>
-              <a:t>6/15/18</a:t>
+              <a:t>6/16/18</a:t>
             </a:fld>
             <a:endParaRPr lang="en-US" dirty="0"/>
           </a:p>
@@ -1748,7 +1748,7 @@
             <a:fld id="{B61BEF0D-F0BB-DE4B-95CE-6DB70DBA9567}" type="datetimeFigureOut">
               <a:rPr lang="en-US" dirty="0"/>
               <a:pPr/>
-              <a:t>6/15/18</a:t>
+              <a:t>6/16/18</a:t>
             </a:fld>
             <a:endParaRPr lang="en-US" dirty="0"/>
           </a:p>
@@ -2059,7 +2059,7 @@
             <a:fld id="{B61BEF0D-F0BB-DE4B-95CE-6DB70DBA9567}" type="datetimeFigureOut">
               <a:rPr lang="en-US" dirty="0"/>
               <a:pPr/>
-              <a:t>6/15/18</a:t>
+              <a:t>6/16/18</a:t>
             </a:fld>
             <a:endParaRPr lang="en-US" dirty="0"/>
           </a:p>
@@ -2449,7 +2449,7 @@
             <a:fld id="{B61BEF0D-F0BB-DE4B-95CE-6DB70DBA9567}" type="datetimeFigureOut">
               <a:rPr lang="en-US" dirty="0"/>
               <a:pPr/>
-              <a:t>6/15/18</a:t>
+              <a:t>6/16/18</a:t>
             </a:fld>
             <a:endParaRPr lang="en-US" dirty="0"/>
           </a:p>
@@ -2615,7 +2615,7 @@
           <a:p>
             <a:fld id="{55C6B4A9-1611-4792-9094-5F34BCA07E0B}" type="datetimeFigureOut">
               <a:rPr lang="en-US" dirty="0"/>
-              <a:t>6/15/18</a:t>
+              <a:t>6/16/18</a:t>
             </a:fld>
             <a:endParaRPr lang="en-US" dirty="0"/>
           </a:p>
@@ -2791,7 +2791,7 @@
             <a:fld id="{B61BEF0D-F0BB-DE4B-95CE-6DB70DBA9567}" type="datetimeFigureOut">
               <a:rPr lang="en-US" dirty="0"/>
               <a:pPr/>
-              <a:t>6/15/18</a:t>
+              <a:t>6/16/18</a:t>
             </a:fld>
             <a:endParaRPr lang="en-US" dirty="0"/>
           </a:p>
@@ -2964,7 +2964,7 @@
             <a:fld id="{B61BEF0D-F0BB-DE4B-95CE-6DB70DBA9567}" type="datetimeFigureOut">
               <a:rPr lang="en-US" dirty="0"/>
               <a:pPr/>
-              <a:t>6/15/18</a:t>
+              <a:t>6/16/18</a:t>
             </a:fld>
             <a:endParaRPr lang="en-US" dirty="0"/>
           </a:p>
@@ -3208,7 +3208,7 @@
             <a:fld id="{B61BEF0D-F0BB-DE4B-95CE-6DB70DBA9567}" type="datetimeFigureOut">
               <a:rPr lang="en-US" dirty="0"/>
               <a:pPr/>
-              <a:t>6/15/18</a:t>
+              <a:t>6/16/18</a:t>
             </a:fld>
             <a:endParaRPr lang="en-US" dirty="0"/>
           </a:p>
@@ -3436,7 +3436,7 @@
           <a:p>
             <a:fld id="{EB712588-04B1-427B-82EE-E8DB90309F08}" type="datetimeFigureOut">
               <a:rPr lang="en-US" dirty="0"/>
-              <a:t>6/15/18</a:t>
+              <a:t>6/16/18</a:t>
             </a:fld>
             <a:endParaRPr lang="en-US" dirty="0"/>
           </a:p>
@@ -3806,7 +3806,7 @@
             <a:fld id="{B61BEF0D-F0BB-DE4B-95CE-6DB70DBA9567}" type="datetimeFigureOut">
               <a:rPr lang="en-US" dirty="0"/>
               <a:pPr/>
-              <a:t>6/15/18</a:t>
+              <a:t>6/16/18</a:t>
             </a:fld>
             <a:endParaRPr lang="en-US" dirty="0"/>
           </a:p>
@@ -3926,7 +3926,7 @@
             <a:fld id="{B61BEF0D-F0BB-DE4B-95CE-6DB70DBA9567}" type="datetimeFigureOut">
               <a:rPr lang="en-US" dirty="0"/>
               <a:pPr/>
-              <a:t>6/15/18</a:t>
+              <a:t>6/16/18</a:t>
             </a:fld>
             <a:endParaRPr lang="en-US" dirty="0"/>
           </a:p>
@@ -4018,7 +4018,7 @@
             <a:fld id="{B61BEF0D-F0BB-DE4B-95CE-6DB70DBA9567}" type="datetimeFigureOut">
               <a:rPr lang="en-US" dirty="0"/>
               <a:pPr/>
-              <a:t>6/15/18</a:t>
+              <a:t>6/16/18</a:t>
             </a:fld>
             <a:endParaRPr lang="en-US" dirty="0"/>
           </a:p>
@@ -4269,7 +4269,7 @@
           <a:p>
             <a:fld id="{42A54C80-263E-416B-A8E0-580EDEADCBDC}" type="datetimeFigureOut">
               <a:rPr lang="en-US" dirty="0"/>
-              <a:t>6/15/18</a:t>
+              <a:t>6/16/18</a:t>
             </a:fld>
             <a:endParaRPr lang="en-US" dirty="0"/>
           </a:p>
@@ -4528,7 +4528,7 @@
             <a:fld id="{B61BEF0D-F0BB-DE4B-95CE-6DB70DBA9567}" type="datetimeFigureOut">
               <a:rPr lang="en-US" dirty="0"/>
               <a:pPr/>
-              <a:t>6/15/18</a:t>
+              <a:t>6/16/18</a:t>
             </a:fld>
             <a:endParaRPr lang="en-US" dirty="0"/>
           </a:p>
@@ -5268,7 +5268,7 @@
             <a:fld id="{B61BEF0D-F0BB-DE4B-95CE-6DB70DBA9567}" type="datetimeFigureOut">
               <a:rPr lang="en-US" dirty="0"/>
               <a:pPr/>
-              <a:t>6/15/18</a:t>
+              <a:t>6/16/18</a:t>
             </a:fld>
             <a:endParaRPr lang="en-US" dirty="0"/>
           </a:p>
@@ -8068,7 +8068,7 @@
             </a:r>
             <a:r>
               <a:rPr lang="it-IT" dirty="0"/>
-              <a:t> dataset B: 96,7%</a:t>
+              <a:t> dataset B: 91.4%</a:t>
             </a:r>
           </a:p>
         </p:txBody>
@@ -8105,10 +8105,10 @@
       </p:pic>
       <p:pic>
         <p:nvPicPr>
-          <p:cNvPr id="9" name="Picture 8">
+          <p:cNvPr id="8" name="Picture 7">
             <a:extLst>
               <a:ext uri="{FF2B5EF4-FFF2-40B4-BE49-F238E27FC236}">
-                <a16:creationId xmlns:a16="http://schemas.microsoft.com/office/drawing/2014/main" id="{366C1A96-873B-5443-9C79-D3FCB106D712}"/>
+                <a16:creationId xmlns:a16="http://schemas.microsoft.com/office/drawing/2014/main" id="{86A9456C-DC51-0A4C-A8DC-12CB5E2BB6FE}"/>
               </a:ext>
             </a:extLst>
           </p:cNvPr>
@@ -8125,8 +8125,8 @@
         </p:blipFill>
         <p:spPr>
           <a:xfrm>
-            <a:off x="4581133" y="2254357"/>
-            <a:ext cx="4708563" cy="3968081"/>
+            <a:off x="4476290" y="2137314"/>
+            <a:ext cx="4754657" cy="4174276"/>
           </a:xfrm>
           <a:prstGeom prst="rect">
             <a:avLst/>
@@ -8491,7 +8491,7 @@
             </a:r>
             <a:r>
               <a:rPr lang="it-IT" dirty="0"/>
-              <a:t> dataset B: 92.7%</a:t>
+              <a:t> dataset B: 91.4%</a:t>
             </a:r>
           </a:p>
         </p:txBody>
@@ -8528,10 +8528,10 @@
       </p:pic>
       <p:pic>
         <p:nvPicPr>
-          <p:cNvPr id="5" name="Picture 4">
+          <p:cNvPr id="7" name="Picture 6">
             <a:extLst>
               <a:ext uri="{FF2B5EF4-FFF2-40B4-BE49-F238E27FC236}">
-                <a16:creationId xmlns:a16="http://schemas.microsoft.com/office/drawing/2014/main" id="{3DCDABA2-073A-754D-BCA9-C17042F907E4}"/>
+                <a16:creationId xmlns:a16="http://schemas.microsoft.com/office/drawing/2014/main" id="{139113BA-DEB5-434B-A56B-CF98737D777E}"/>
               </a:ext>
             </a:extLst>
           </p:cNvPr>
@@ -8548,8 +8548,8 @@
         </p:blipFill>
         <p:spPr>
           <a:xfrm>
-            <a:off x="4802645" y="2459418"/>
-            <a:ext cx="4839975" cy="2469931"/>
+            <a:off x="4884235" y="2480885"/>
+            <a:ext cx="4825025" cy="2343364"/>
           </a:xfrm>
           <a:prstGeom prst="rect">
             <a:avLst/>
@@ -8632,10 +8632,43 @@
         </p:nvSpPr>
         <p:spPr/>
         <p:txBody>
-          <a:bodyPr/>
+          <a:bodyPr>
+            <a:normAutofit/>
+          </a:bodyPr>
           <a:lstStyle/>
           <a:p>
-            <a:endParaRPr lang="it-IT" dirty="0"/>
+            <a:r>
+              <a:rPr lang="it-IT" sz="2000" dirty="0"/>
+              <a:t>Il modello risulta particolarmente accurato, ma sembra mostrare dell’</a:t>
+            </a:r>
+            <a:r>
+              <a:rPr lang="it-IT" sz="2000" dirty="0" err="1"/>
+              <a:t>overfitting</a:t>
+            </a:r>
+            <a:r>
+              <a:rPr lang="it-IT" sz="2000" dirty="0"/>
+              <a:t> sui dati.</a:t>
+            </a:r>
+          </a:p>
+          <a:p>
+            <a:r>
+              <a:rPr lang="it-IT" sz="2000" dirty="0"/>
+              <a:t>Alcuni stati sono previsti molto meglio di altri, in particolare quelli per cui si hanno più osservazioni. Questo è dovuto al fatto che queste attività hanno una durata media maggiore rispetto alle altre attività e risulta quindi molto più facile prevedere lo stato successivo (ovvero, lo stato non cambia).</a:t>
+            </a:r>
+          </a:p>
+          <a:p>
+            <a:r>
+              <a:rPr lang="it-IT" sz="2000" dirty="0"/>
+              <a:t>Forte </a:t>
+            </a:r>
+            <a:r>
+              <a:rPr lang="it-IT" sz="2000" dirty="0" err="1"/>
+              <a:t>bias</a:t>
+            </a:r>
+            <a:r>
+              <a:rPr lang="it-IT" sz="2000" dirty="0"/>
+              <a:t> per lo stato di nessuna attività</a:t>
+            </a:r>
           </a:p>
         </p:txBody>
       </p:sp>
